--- a/Exploring VR.pptx
+++ b/Exploring VR.pptx
@@ -7045,17 +7045,8 @@
               <a:rPr lang="en-US" dirty="0">
                 <a:latin typeface="Avenir Book"/>
               </a:rPr>
-              <a:t>Those are objects provided by the Google VR SDK to take care of core VR </a:t>
-            </a:r>
-            <a:r>
-              <a:rPr lang="en-US" dirty="0" err="1">
-                <a:latin typeface="Avenir Book"/>
-              </a:rPr>
-              <a:t>functionnalities</a:t>
-            </a:r>
-            <a:endParaRPr lang="en-US" dirty="0">
-              <a:latin typeface="Avenir Book"/>
-            </a:endParaRPr>
+              <a:t>Those are objects provided by the Google VR SDK to take care of core VR functionalities</a:t>
+            </a:r>
           </a:p>
           <a:p>
             <a:pPr marL="342900" indent="-342900" algn="l">
@@ -8080,7 +8071,7 @@
               <a:rPr lang="en-US" dirty="0">
                 <a:latin typeface="Avenir Book"/>
               </a:rPr>
-              <a:t>However added functionalities are added to the camera</a:t>
+              <a:t>However additional functionalities are added to the camera</a:t>
             </a:r>
           </a:p>
           <a:p>
